--- a/Week 4/📌 Introduction to Object-Oriented Programming (OOP).pptx
+++ b/Week 4/📌 Introduction to Object-Oriented Programming (OOP).pptx
@@ -4517,8 +4517,8 @@
         </p:nvSpPr>
         <p:spPr>
           <a:xfrm>
-            <a:off x="581191" y="1020431"/>
-            <a:ext cx="10993549" cy="1475013"/>
+            <a:off x="581191" y="810253"/>
+            <a:ext cx="10993549" cy="1219525"/>
           </a:xfrm>
         </p:spPr>
         <p:txBody>
@@ -4530,7 +4530,7 @@
             <a:pPr rtl="0"/>
             <a:r>
               <a:rPr lang="en-US" dirty="0"/>
-              <a:t>📌 Introduction to Object-Oriented Programming (OOP)</a:t>
+              <a:t>Introduction to Object-Oriented Programming (OOP)</a:t>
             </a:r>
             <a:endParaRPr lang="th-th" dirty="0"/>
           </a:p>
@@ -5620,6 +5620,36 @@
           <a:xfrm>
             <a:off x="2104436" y="2101224"/>
             <a:ext cx="7093789" cy="4112341"/>
+          </a:xfrm>
+          <a:prstGeom prst="rect">
+            <a:avLst/>
+          </a:prstGeom>
+        </p:spPr>
+      </p:pic>
+      <p:pic>
+        <p:nvPicPr>
+          <p:cNvPr id="15" name="Picture 14">
+            <a:extLst>
+              <a:ext uri="{FF2B5EF4-FFF2-40B4-BE49-F238E27FC236}">
+                <a16:creationId xmlns:a16="http://schemas.microsoft.com/office/drawing/2014/main" id="{23936025-EFD4-3CFD-ADB4-B9445EBEADA1}"/>
+              </a:ext>
+            </a:extLst>
+          </p:cNvPr>
+          <p:cNvPicPr>
+            <a:picLocks noChangeAspect="1"/>
+          </p:cNvPicPr>
+          <p:nvPr/>
+        </p:nvPicPr>
+        <p:blipFill>
+          <a:blip r:embed="rId3"/>
+          <a:stretch>
+            <a:fillRect/>
+          </a:stretch>
+        </p:blipFill>
+        <p:spPr>
+          <a:xfrm>
+            <a:off x="9741749" y="3202994"/>
+            <a:ext cx="1743318" cy="1533739"/>
           </a:xfrm>
           <a:prstGeom prst="rect">
             <a:avLst/>
@@ -5938,7 +5968,7 @@
         </p:blipFill>
         <p:spPr>
           <a:xfrm>
-            <a:off x="713549" y="3834303"/>
+            <a:off x="740845" y="3535918"/>
             <a:ext cx="10494157" cy="1086831"/>
           </a:xfrm>
           <a:prstGeom prst="rect">
@@ -6076,58 +6106,68 @@
               <a:t> lets child classes modify parent class methods.</a:t>
             </a:r>
           </a:p>
-          <a:p>
-            <a:endParaRPr lang="en-US" dirty="0"/>
-          </a:p>
-          <a:p>
-            <a:r>
-              <a:rPr lang="en-US" dirty="0"/>
-              <a:t>class Animal { public virtual void </a:t>
-            </a:r>
-            <a:r>
-              <a:rPr lang="en-US" dirty="0" err="1"/>
-              <a:t>MakeSound</a:t>
-            </a:r>
-            <a:r>
-              <a:rPr lang="en-US" dirty="0"/>
-              <a:t>() { </a:t>
-            </a:r>
-            <a:r>
-              <a:rPr lang="en-US" dirty="0" err="1"/>
-              <a:t>Console.WriteLine</a:t>
-            </a:r>
-            <a:r>
-              <a:rPr lang="en-US" dirty="0"/>
-              <a:t>("Animal sound"); } }</a:t>
-            </a:r>
-          </a:p>
-          <a:p>
-            <a:r>
-              <a:rPr lang="en-US" dirty="0"/>
-              <a:t>class Dog : Animal { public override void </a:t>
-            </a:r>
-            <a:r>
-              <a:rPr lang="en-US" dirty="0" err="1"/>
-              <a:t>MakeSound</a:t>
-            </a:r>
-            <a:r>
-              <a:rPr lang="en-US" dirty="0"/>
-              <a:t>() { </a:t>
-            </a:r>
-            <a:r>
-              <a:rPr lang="en-US" dirty="0" err="1"/>
-              <a:t>Console.WriteLine</a:t>
-            </a:r>
-            <a:r>
-              <a:rPr lang="en-US" dirty="0"/>
-              <a:t>("Woof!"); } }</a:t>
-            </a:r>
-          </a:p>
-          <a:p>
-            <a:endParaRPr lang="th-TH" dirty="0"/>
-          </a:p>
-        </p:txBody>
-      </p:sp>
+        </p:txBody>
+      </p:sp>
+      <p:pic>
+        <p:nvPicPr>
+          <p:cNvPr id="13" name="Picture 12">
+            <a:extLst>
+              <a:ext uri="{FF2B5EF4-FFF2-40B4-BE49-F238E27FC236}">
+                <a16:creationId xmlns:a16="http://schemas.microsoft.com/office/drawing/2014/main" id="{DF245906-5C80-68A5-1621-8B4FAFD16672}"/>
+              </a:ext>
+            </a:extLst>
+          </p:cNvPr>
+          <p:cNvPicPr>
+            <a:picLocks noChangeAspect="1"/>
+          </p:cNvPicPr>
+          <p:nvPr/>
+        </p:nvPicPr>
+        <p:blipFill>
+          <a:blip r:embed="rId2"/>
+          <a:stretch>
+            <a:fillRect/>
+          </a:stretch>
+        </p:blipFill>
+        <p:spPr>
+          <a:xfrm>
+            <a:off x="414939" y="2565751"/>
+            <a:ext cx="6020640" cy="3858163"/>
+          </a:xfrm>
+          <a:prstGeom prst="rect">
+            <a:avLst/>
+          </a:prstGeom>
+        </p:spPr>
+      </p:pic>
+      <p:pic>
+        <p:nvPicPr>
+          <p:cNvPr id="15" name="Picture 14">
+            <a:extLst>
+              <a:ext uri="{FF2B5EF4-FFF2-40B4-BE49-F238E27FC236}">
+                <a16:creationId xmlns:a16="http://schemas.microsoft.com/office/drawing/2014/main" id="{AE4A216D-19A8-7592-AC60-0E928E135BFC}"/>
+              </a:ext>
+            </a:extLst>
+          </p:cNvPr>
+          <p:cNvPicPr>
+            <a:picLocks noChangeAspect="1"/>
+          </p:cNvPicPr>
+          <p:nvPr/>
+        </p:nvPicPr>
+        <p:blipFill>
+          <a:blip r:embed="rId3"/>
+          <a:stretch>
+            <a:fillRect/>
+          </a:stretch>
+        </p:blipFill>
+        <p:spPr>
+          <a:xfrm>
+            <a:off x="6476219" y="2586606"/>
+            <a:ext cx="5134692" cy="3867690"/>
+          </a:xfrm>
+          <a:prstGeom prst="rect">
+            <a:avLst/>
+          </a:prstGeom>
+        </p:spPr>
+      </p:pic>
     </p:spTree>
     <p:extLst>
       <p:ext uri="{BB962C8B-B14F-4D97-AF65-F5344CB8AC3E}">
@@ -6180,14 +6220,19 @@
             <p:ph type="title"/>
           </p:nvPr>
         </p:nvSpPr>
-        <p:spPr/>
+        <p:spPr>
+          <a:xfrm>
+            <a:off x="581192" y="702156"/>
+            <a:ext cx="11029616" cy="580734"/>
+          </a:xfrm>
+        </p:spPr>
         <p:txBody>
           <a:bodyPr/>
           <a:lstStyle/>
           <a:p>
             <a:r>
               <a:rPr lang="en-US" dirty="0"/>
-              <a:t>Interfaces (A Contract for Classes)</a:t>
+              <a:t>Real-World Example</a:t>
             </a:r>
             <a:endParaRPr lang="th-TH" dirty="0"/>
           </a:p>
@@ -6225,10 +6270,10 @@
       </p:sp>
       <p:sp>
         <p:nvSpPr>
-          <p:cNvPr id="6" name="Content Placeholder 5">
+          <p:cNvPr id="9" name="Content Placeholder 8">
             <a:extLst>
               <a:ext uri="{FF2B5EF4-FFF2-40B4-BE49-F238E27FC236}">
-                <a16:creationId xmlns:a16="http://schemas.microsoft.com/office/drawing/2014/main" id="{2A1CF57D-8CD4-E848-1B7F-5D30AEE5BD60}"/>
+                <a16:creationId xmlns:a16="http://schemas.microsoft.com/office/drawing/2014/main" id="{F191AC27-8F44-B66A-E2A8-23E9F1FA3CF6}"/>
               </a:ext>
             </a:extLst>
           </p:cNvPr>
@@ -6239,25 +6284,17 @@
             <p:ph idx="1"/>
           </p:nvPr>
         </p:nvSpPr>
-        <p:spPr/>
-        <p:txBody>
-          <a:bodyPr anchor="t"/>
-          <a:lstStyle/>
-          <a:p>
-            <a:r>
-              <a:rPr lang="en-US" dirty="0"/>
-              <a:t>Interfaces define a contract that classes must follow.</a:t>
-            </a:r>
-          </a:p>
-          <a:p>
-            <a:r>
-              <a:rPr lang="en-US" dirty="0"/>
-              <a:t>A class must implement all methods of an interface.</a:t>
-            </a:r>
-          </a:p>
-          <a:p>
-            <a:endParaRPr lang="en-US" dirty="0"/>
-          </a:p>
+        <p:spPr>
+          <a:xfrm>
+            <a:off x="581192" y="1611756"/>
+            <a:ext cx="11029615" cy="4434201"/>
+          </a:xfrm>
+        </p:spPr>
+        <p:txBody>
+          <a:bodyPr>
+            <a:normAutofit fontScale="85000" lnSpcReduction="20000"/>
+          </a:bodyPr>
+          <a:lstStyle/>
           <a:p>
             <a:pPr marL="0" indent="0">
               <a:buNone/>
@@ -6272,8 +6309,41 @@
             </a:r>
             <a:r>
               <a:rPr lang="en-US" dirty="0"/>
-              <a:t> { void Drive(); }</a:t>
-            </a:r>
+              <a:t> </a:t>
+            </a:r>
+          </a:p>
+          <a:p>
+            <a:pPr marL="0" indent="0">
+              <a:buNone/>
+            </a:pPr>
+            <a:r>
+              <a:rPr lang="en-US" dirty="0"/>
+              <a:t>{</a:t>
+            </a:r>
+          </a:p>
+          <a:p>
+            <a:pPr marL="0" indent="0">
+              <a:buNone/>
+            </a:pPr>
+            <a:r>
+              <a:rPr lang="en-US" dirty="0"/>
+              <a:t>    void Drive();</a:t>
+            </a:r>
+          </a:p>
+          <a:p>
+            <a:pPr marL="0" indent="0">
+              <a:buNone/>
+            </a:pPr>
+            <a:r>
+              <a:rPr lang="en-US" dirty="0"/>
+              <a:t>}</a:t>
+            </a:r>
+          </a:p>
+          <a:p>
+            <a:pPr marL="0" indent="0">
+              <a:buNone/>
+            </a:pPr>
+            <a:endParaRPr lang="en-US" dirty="0"/>
           </a:p>
           <a:p>
             <a:pPr marL="0" indent="0">
@@ -6289,7 +6359,25 @@
             </a:r>
             <a:r>
               <a:rPr lang="en-US" dirty="0"/>
-              <a:t> { public void Drive() { </a:t>
+              <a:t> </a:t>
+            </a:r>
+          </a:p>
+          <a:p>
+            <a:pPr marL="0" indent="0">
+              <a:buNone/>
+            </a:pPr>
+            <a:r>
+              <a:rPr lang="en-US" dirty="0"/>
+              <a:t>{</a:t>
+            </a:r>
+          </a:p>
+          <a:p>
+            <a:pPr marL="0" indent="0">
+              <a:buNone/>
+            </a:pPr>
+            <a:r>
+              <a:rPr lang="en-US" dirty="0"/>
+              <a:t>    public void Drive() { </a:t>
             </a:r>
             <a:r>
               <a:rPr lang="en-US" dirty="0" err="1"/>
@@ -6297,11 +6385,75 @@
             </a:r>
             <a:r>
               <a:rPr lang="en-US" dirty="0"/>
-              <a:t>("Driving..."); } }</a:t>
-            </a:r>
-          </a:p>
-          <a:p>
-            <a:endParaRPr lang="th-TH" dirty="0"/>
+              <a:t>("Car is driving!"); }</a:t>
+            </a:r>
+          </a:p>
+          <a:p>
+            <a:pPr marL="0" indent="0">
+              <a:buNone/>
+            </a:pPr>
+            <a:r>
+              <a:rPr lang="en-US" dirty="0"/>
+              <a:t>}</a:t>
+            </a:r>
+          </a:p>
+          <a:p>
+            <a:pPr marL="0" indent="0">
+              <a:buNone/>
+            </a:pPr>
+            <a:endParaRPr lang="en-US" dirty="0"/>
+          </a:p>
+          <a:p>
+            <a:pPr marL="0" indent="0">
+              <a:buNone/>
+            </a:pPr>
+            <a:r>
+              <a:rPr lang="en-US" dirty="0"/>
+              <a:t>class Bicycle : </a:t>
+            </a:r>
+            <a:r>
+              <a:rPr lang="en-US" dirty="0" err="1"/>
+              <a:t>IVehicle</a:t>
+            </a:r>
+            <a:r>
+              <a:rPr lang="en-US" dirty="0"/>
+              <a:t> </a:t>
+            </a:r>
+          </a:p>
+          <a:p>
+            <a:pPr marL="0" indent="0">
+              <a:buNone/>
+            </a:pPr>
+            <a:r>
+              <a:rPr lang="en-US" dirty="0"/>
+              <a:t>{</a:t>
+            </a:r>
+          </a:p>
+          <a:p>
+            <a:pPr marL="0" indent="0">
+              <a:buNone/>
+            </a:pPr>
+            <a:r>
+              <a:rPr lang="en-US" dirty="0"/>
+              <a:t>    public void Drive() { </a:t>
+            </a:r>
+            <a:r>
+              <a:rPr lang="en-US" dirty="0" err="1"/>
+              <a:t>Console.WriteLine</a:t>
+            </a:r>
+            <a:r>
+              <a:rPr lang="en-US" dirty="0"/>
+              <a:t>("Bicycle is pedaling!"); }</a:t>
+            </a:r>
+          </a:p>
+          <a:p>
+            <a:pPr marL="0" indent="0">
+              <a:buNone/>
+            </a:pPr>
+            <a:r>
+              <a:rPr lang="en-US" dirty="0"/>
+              <a:t>}</a:t>
+            </a:r>
           </a:p>
         </p:txBody>
       </p:sp>
